--- a/OpenCL.pptx
+++ b/OpenCL.pptx
@@ -215,7 +215,7 @@
           <a:p>
             <a:fld id="{E7DDF83D-6870-4835-88B1-F3B697954D09}" type="datetimeFigureOut">
               <a:rPr lang="ru-RU" smtClean="0"/>
-              <a:t>28.03.2024</a:t>
+              <a:t>31.03.2024</a:t>
             </a:fld>
             <a:endParaRPr lang="ru-RU" dirty="0"/>
           </a:p>
@@ -958,94 +958,6 @@
               </a:rPr>
               <a:t>);</a:t>
             </a:r>
-          </a:p>
-          <a:p>
-            <a:endParaRPr lang="ru-RU" sz="1200" kern="1200" dirty="0" smtClean="0">
-              <a:solidFill>
-                <a:schemeClr val="tx1"/>
-              </a:solidFill>
-              <a:latin typeface="+mn-lt"/>
-              <a:ea typeface="+mn-ea"/>
-              <a:cs typeface="+mn-cs"/>
-            </a:endParaRPr>
-          </a:p>
-          <a:p>
-            <a:r>
-              <a:rPr lang="en-US" sz="1200" kern="1200" dirty="0" err="1" smtClean="0">
-                <a:solidFill>
-                  <a:schemeClr val="tx1"/>
-                </a:solidFill>
-                <a:latin typeface="+mn-lt"/>
-                <a:ea typeface="+mn-ea"/>
-                <a:cs typeface="+mn-cs"/>
-              </a:rPr>
-              <a:t>kernel_add.setArg</a:t>
-            </a:r>
-            <a:r>
-              <a:rPr lang="en-US" sz="1200" kern="1200" dirty="0" smtClean="0">
-                <a:solidFill>
-                  <a:schemeClr val="tx1"/>
-                </a:solidFill>
-                <a:latin typeface="+mn-lt"/>
-                <a:ea typeface="+mn-ea"/>
-                <a:cs typeface="+mn-cs"/>
-              </a:rPr>
-              <a:t>(</a:t>
-            </a:r>
-            <a:r>
-              <a:rPr lang="ru-RU" sz="1200" kern="1200" dirty="0" err="1" smtClean="0">
-                <a:solidFill>
-                  <a:schemeClr val="tx1"/>
-                </a:solidFill>
-                <a:latin typeface="+mn-lt"/>
-                <a:ea typeface="+mn-ea"/>
-                <a:cs typeface="+mn-cs"/>
-              </a:rPr>
-              <a:t>позиция_аргумента</a:t>
-            </a:r>
-            <a:r>
-              <a:rPr lang="en-US" sz="1200" kern="1200" dirty="0" smtClean="0">
-                <a:solidFill>
-                  <a:schemeClr val="tx1"/>
-                </a:solidFill>
-                <a:latin typeface="+mn-lt"/>
-                <a:ea typeface="+mn-ea"/>
-                <a:cs typeface="+mn-cs"/>
-              </a:rPr>
-              <a:t>,	</a:t>
-            </a:r>
-            <a:r>
-              <a:rPr lang="ru-RU" sz="1200" kern="1200" dirty="0" err="1" smtClean="0">
-                <a:solidFill>
-                  <a:schemeClr val="tx1"/>
-                </a:solidFill>
-                <a:latin typeface="+mn-lt"/>
-                <a:ea typeface="+mn-ea"/>
-                <a:cs typeface="+mn-cs"/>
-              </a:rPr>
-              <a:t>откуда_брать</a:t>
-            </a:r>
-            <a:r>
-              <a:rPr lang="en-US" sz="1200" kern="1200" dirty="0" smtClean="0">
-                <a:solidFill>
-                  <a:schemeClr val="tx1"/>
-                </a:solidFill>
-                <a:latin typeface="+mn-lt"/>
-                <a:ea typeface="+mn-ea"/>
-                <a:cs typeface="+mn-cs"/>
-              </a:rPr>
-              <a:t>);</a:t>
-            </a:r>
-            <a:endParaRPr lang="ru-RU" sz="1200" kern="1200" dirty="0" smtClean="0">
-              <a:solidFill>
-                <a:schemeClr val="tx1"/>
-              </a:solidFill>
-              <a:latin typeface="+mn-lt"/>
-              <a:ea typeface="+mn-ea"/>
-              <a:cs typeface="+mn-cs"/>
-            </a:endParaRPr>
-          </a:p>
-          <a:p>
             <a:endParaRPr lang="en-US" sz="1200" kern="1200" dirty="0" smtClean="0">
               <a:solidFill>
                 <a:schemeClr val="tx1"/>
@@ -1054,209 +966,6 @@
               <a:ea typeface="+mn-ea"/>
               <a:cs typeface="+mn-cs"/>
             </a:endParaRPr>
-          </a:p>
-          <a:p>
-            <a:r>
-              <a:rPr lang="en-US" sz="1200" kern="1200" dirty="0" err="1" smtClean="0">
-                <a:solidFill>
-                  <a:schemeClr val="tx1"/>
-                </a:solidFill>
-                <a:latin typeface="+mn-lt"/>
-                <a:ea typeface="+mn-ea"/>
-                <a:cs typeface="+mn-cs"/>
-              </a:rPr>
-              <a:t>queue.enqueueNDRangeKernel</a:t>
-            </a:r>
-            <a:r>
-              <a:rPr lang="en-US" sz="1200" kern="1200" dirty="0" smtClean="0">
-                <a:solidFill>
-                  <a:schemeClr val="tx1"/>
-                </a:solidFill>
-                <a:latin typeface="+mn-lt"/>
-                <a:ea typeface="+mn-ea"/>
-                <a:cs typeface="+mn-cs"/>
-              </a:rPr>
-              <a:t>(</a:t>
-            </a:r>
-          </a:p>
-          <a:p>
-            <a:r>
-              <a:rPr lang="ru-RU" sz="1200" kern="1200" dirty="0" err="1" smtClean="0">
-                <a:solidFill>
-                  <a:schemeClr val="tx1"/>
-                </a:solidFill>
-                <a:latin typeface="+mn-lt"/>
-                <a:ea typeface="+mn-ea"/>
-                <a:cs typeface="+mn-cs"/>
-              </a:rPr>
-              <a:t>объект_ядра</a:t>
-            </a:r>
-            <a:r>
-              <a:rPr lang="en-US" sz="1200" kern="1200" dirty="0" smtClean="0">
-                <a:solidFill>
-                  <a:schemeClr val="tx1"/>
-                </a:solidFill>
-                <a:latin typeface="+mn-lt"/>
-                <a:ea typeface="+mn-ea"/>
-                <a:cs typeface="+mn-cs"/>
-              </a:rPr>
-              <a:t>,</a:t>
-            </a:r>
-            <a:r>
-              <a:rPr lang="ru-RU" sz="1200" kern="1200" baseline="0" dirty="0" smtClean="0">
-                <a:solidFill>
-                  <a:schemeClr val="tx1"/>
-                </a:solidFill>
-                <a:latin typeface="+mn-lt"/>
-                <a:ea typeface="+mn-ea"/>
-                <a:cs typeface="+mn-cs"/>
-              </a:rPr>
-              <a:t> </a:t>
-            </a:r>
-            <a:endParaRPr lang="en-US" sz="1200" kern="1200" baseline="0" dirty="0" smtClean="0">
-              <a:solidFill>
-                <a:schemeClr val="tx1"/>
-              </a:solidFill>
-              <a:latin typeface="+mn-lt"/>
-              <a:ea typeface="+mn-ea"/>
-              <a:cs typeface="+mn-cs"/>
-            </a:endParaRPr>
-          </a:p>
-          <a:p>
-            <a:r>
-              <a:rPr lang="ru-RU" sz="1200" kern="1200" baseline="0" dirty="0" err="1" smtClean="0">
-                <a:solidFill>
-                  <a:schemeClr val="tx1"/>
-                </a:solidFill>
-                <a:latin typeface="+mn-lt"/>
-                <a:ea typeface="+mn-ea"/>
-                <a:cs typeface="+mn-cs"/>
-              </a:rPr>
-              <a:t>точка_начала</a:t>
-            </a:r>
-            <a:r>
-              <a:rPr lang="en-US" sz="1200" kern="1200" dirty="0" smtClean="0">
-                <a:solidFill>
-                  <a:schemeClr val="tx1"/>
-                </a:solidFill>
-                <a:latin typeface="+mn-lt"/>
-                <a:ea typeface="+mn-ea"/>
-                <a:cs typeface="+mn-cs"/>
-              </a:rPr>
-              <a:t>,</a:t>
-            </a:r>
-            <a:r>
-              <a:rPr lang="ru-RU" sz="1200" kern="1200" baseline="0" dirty="0" smtClean="0">
-                <a:solidFill>
-                  <a:schemeClr val="tx1"/>
-                </a:solidFill>
-                <a:latin typeface="+mn-lt"/>
-                <a:ea typeface="+mn-ea"/>
-                <a:cs typeface="+mn-cs"/>
-              </a:rPr>
-              <a:t> </a:t>
-            </a:r>
-            <a:endParaRPr lang="en-US" sz="1200" kern="1200" baseline="0" dirty="0" smtClean="0">
-              <a:solidFill>
-                <a:schemeClr val="tx1"/>
-              </a:solidFill>
-              <a:latin typeface="+mn-lt"/>
-              <a:ea typeface="+mn-ea"/>
-              <a:cs typeface="+mn-cs"/>
-            </a:endParaRPr>
-          </a:p>
-          <a:p>
-            <a:r>
-              <a:rPr lang="ru-RU" sz="1200" kern="1200" baseline="0" dirty="0" smtClean="0">
-                <a:solidFill>
-                  <a:schemeClr val="tx1"/>
-                </a:solidFill>
-                <a:latin typeface="+mn-lt"/>
-                <a:ea typeface="+mn-ea"/>
-                <a:cs typeface="+mn-cs"/>
-              </a:rPr>
-              <a:t>кол-во</a:t>
-            </a:r>
-            <a:r>
-              <a:rPr lang="en-US" sz="1200" kern="1200" baseline="0" dirty="0" smtClean="0">
-                <a:solidFill>
-                  <a:schemeClr val="tx1"/>
-                </a:solidFill>
-                <a:latin typeface="+mn-lt"/>
-                <a:ea typeface="+mn-ea"/>
-                <a:cs typeface="+mn-cs"/>
-              </a:rPr>
-              <a:t>_work-item</a:t>
-            </a:r>
-            <a:r>
-              <a:rPr lang="en-US" sz="1200" kern="1200" dirty="0" smtClean="0">
-                <a:solidFill>
-                  <a:schemeClr val="tx1"/>
-                </a:solidFill>
-                <a:latin typeface="+mn-lt"/>
-                <a:ea typeface="+mn-ea"/>
-                <a:cs typeface="+mn-cs"/>
-              </a:rPr>
-              <a:t>,</a:t>
-            </a:r>
-          </a:p>
-          <a:p>
-            <a:r>
-              <a:rPr lang="ru-RU" sz="1200" kern="1200" dirty="0" err="1" smtClean="0">
-                <a:solidFill>
-                  <a:schemeClr val="tx1"/>
-                </a:solidFill>
-                <a:latin typeface="+mn-lt"/>
-                <a:ea typeface="+mn-ea"/>
-                <a:cs typeface="+mn-cs"/>
-              </a:rPr>
-              <a:t>какое_кол-во_данных</a:t>
-            </a:r>
-            <a:r>
-              <a:rPr lang="ru-RU" sz="1200" kern="1200" baseline="0" dirty="0" err="1" smtClean="0">
-                <a:solidFill>
-                  <a:schemeClr val="tx1"/>
-                </a:solidFill>
-                <a:latin typeface="+mn-lt"/>
-                <a:ea typeface="+mn-ea"/>
-                <a:cs typeface="+mn-cs"/>
-              </a:rPr>
-              <a:t>_давать_каждому</a:t>
-            </a:r>
-            <a:r>
-              <a:rPr lang="ru-RU" sz="1200" kern="1200" baseline="0" dirty="0" smtClean="0">
-                <a:solidFill>
-                  <a:schemeClr val="tx1"/>
-                </a:solidFill>
-                <a:latin typeface="+mn-lt"/>
-                <a:ea typeface="+mn-ea"/>
-                <a:cs typeface="+mn-cs"/>
-              </a:rPr>
-              <a:t>_</a:t>
-            </a:r>
-            <a:r>
-              <a:rPr lang="en-US" sz="1200" kern="1200" baseline="0" dirty="0" err="1" smtClean="0">
-                <a:solidFill>
-                  <a:schemeClr val="tx1"/>
-                </a:solidFill>
-                <a:latin typeface="+mn-lt"/>
-                <a:ea typeface="+mn-ea"/>
-                <a:cs typeface="+mn-cs"/>
-              </a:rPr>
-              <a:t>work_item</a:t>
-            </a:r>
-            <a:r>
-              <a:rPr lang="en-US" sz="1200" kern="1200" dirty="0" smtClean="0">
-                <a:solidFill>
-                  <a:schemeClr val="tx1"/>
-                </a:solidFill>
-                <a:latin typeface="+mn-lt"/>
-                <a:ea typeface="+mn-ea"/>
-                <a:cs typeface="+mn-cs"/>
-              </a:rPr>
-              <a:t>);</a:t>
-            </a:r>
-            <a:endParaRPr lang="ru-RU" dirty="0"/>
           </a:p>
         </p:txBody>
       </p:sp>
@@ -3832,7 +3541,7 @@
           <a:p>
             <a:fld id="{F2399CD5-FE2B-490B-94C3-93295A9D725E}" type="datetimeFigureOut">
               <a:rPr lang="ru-RU" smtClean="0"/>
-              <a:t>28.03.2024</a:t>
+              <a:t>31.03.2024</a:t>
             </a:fld>
             <a:endParaRPr lang="ru-RU" dirty="0"/>
           </a:p>
@@ -4099,7 +3808,7 @@
           <a:p>
             <a:fld id="{F2399CD5-FE2B-490B-94C3-93295A9D725E}" type="datetimeFigureOut">
               <a:rPr lang="ru-RU" smtClean="0"/>
-              <a:t>28.03.2024</a:t>
+              <a:t>31.03.2024</a:t>
             </a:fld>
             <a:endParaRPr lang="ru-RU" dirty="0"/>
           </a:p>
@@ -4330,7 +4039,7 @@
           <a:p>
             <a:fld id="{F2399CD5-FE2B-490B-94C3-93295A9D725E}" type="datetimeFigureOut">
               <a:rPr lang="ru-RU" smtClean="0"/>
-              <a:t>28.03.2024</a:t>
+              <a:t>31.03.2024</a:t>
             </a:fld>
             <a:endParaRPr lang="ru-RU" dirty="0"/>
           </a:p>
@@ -4640,7 +4349,7 @@
           <a:p>
             <a:fld id="{F2399CD5-FE2B-490B-94C3-93295A9D725E}" type="datetimeFigureOut">
               <a:rPr lang="ru-RU" smtClean="0"/>
-              <a:t>28.03.2024</a:t>
+              <a:t>31.03.2024</a:t>
             </a:fld>
             <a:endParaRPr lang="ru-RU" dirty="0"/>
           </a:p>
@@ -5113,7 +4822,7 @@
           <a:p>
             <a:fld id="{F2399CD5-FE2B-490B-94C3-93295A9D725E}" type="datetimeFigureOut">
               <a:rPr lang="ru-RU" smtClean="0"/>
-              <a:t>28.03.2024</a:t>
+              <a:t>31.03.2024</a:t>
             </a:fld>
             <a:endParaRPr lang="ru-RU" dirty="0"/>
           </a:p>
@@ -5660,7 +5369,7 @@
           <a:p>
             <a:fld id="{F2399CD5-FE2B-490B-94C3-93295A9D725E}" type="datetimeFigureOut">
               <a:rPr lang="ru-RU" smtClean="0"/>
-              <a:t>28.03.2024</a:t>
+              <a:t>31.03.2024</a:t>
             </a:fld>
             <a:endParaRPr lang="ru-RU" dirty="0"/>
           </a:p>
@@ -6434,7 +6143,7 @@
           <a:p>
             <a:fld id="{F2399CD5-FE2B-490B-94C3-93295A9D725E}" type="datetimeFigureOut">
               <a:rPr lang="ru-RU" smtClean="0"/>
-              <a:t>28.03.2024</a:t>
+              <a:t>31.03.2024</a:t>
             </a:fld>
             <a:endParaRPr lang="ru-RU" dirty="0"/>
           </a:p>
@@ -6609,7 +6318,7 @@
           <a:p>
             <a:fld id="{F2399CD5-FE2B-490B-94C3-93295A9D725E}" type="datetimeFigureOut">
               <a:rPr lang="ru-RU" smtClean="0"/>
-              <a:t>28.03.2024</a:t>
+              <a:t>31.03.2024</a:t>
             </a:fld>
             <a:endParaRPr lang="ru-RU" dirty="0"/>
           </a:p>
@@ -6832,7 +6541,7 @@
           <a:p>
             <a:fld id="{F2399CD5-FE2B-490B-94C3-93295A9D725E}" type="datetimeFigureOut">
               <a:rPr lang="ru-RU" smtClean="0"/>
-              <a:t>28.03.2024</a:t>
+              <a:t>31.03.2024</a:t>
             </a:fld>
             <a:endParaRPr lang="ru-RU" dirty="0"/>
           </a:p>
@@ -7012,7 +6721,7 @@
           <a:p>
             <a:fld id="{F2399CD5-FE2B-490B-94C3-93295A9D725E}" type="datetimeFigureOut">
               <a:rPr lang="ru-RU" smtClean="0"/>
-              <a:t>28.03.2024</a:t>
+              <a:t>31.03.2024</a:t>
             </a:fld>
             <a:endParaRPr lang="ru-RU" dirty="0"/>
           </a:p>
@@ -7301,7 +7010,7 @@
           <a:p>
             <a:fld id="{F2399CD5-FE2B-490B-94C3-93295A9D725E}" type="datetimeFigureOut">
               <a:rPr lang="ru-RU" smtClean="0"/>
-              <a:t>28.03.2024</a:t>
+              <a:t>31.03.2024</a:t>
             </a:fld>
             <a:endParaRPr lang="ru-RU" dirty="0"/>
           </a:p>
@@ -7543,7 +7252,7 @@
           <a:p>
             <a:fld id="{F2399CD5-FE2B-490B-94C3-93295A9D725E}" type="datetimeFigureOut">
               <a:rPr lang="ru-RU" smtClean="0"/>
-              <a:t>28.03.2024</a:t>
+              <a:t>31.03.2024</a:t>
             </a:fld>
             <a:endParaRPr lang="ru-RU" dirty="0"/>
           </a:p>
@@ -7922,7 +7631,7 @@
           <a:p>
             <a:fld id="{F2399CD5-FE2B-490B-94C3-93295A9D725E}" type="datetimeFigureOut">
               <a:rPr lang="ru-RU" smtClean="0"/>
-              <a:t>28.03.2024</a:t>
+              <a:t>31.03.2024</a:t>
             </a:fld>
             <a:endParaRPr lang="ru-RU" dirty="0"/>
           </a:p>
@@ -8040,7 +7749,7 @@
           <a:p>
             <a:fld id="{F2399CD5-FE2B-490B-94C3-93295A9D725E}" type="datetimeFigureOut">
               <a:rPr lang="ru-RU" smtClean="0"/>
-              <a:t>28.03.2024</a:t>
+              <a:t>31.03.2024</a:t>
             </a:fld>
             <a:endParaRPr lang="ru-RU" dirty="0"/>
           </a:p>
@@ -8135,7 +7844,7 @@
           <a:p>
             <a:fld id="{F2399CD5-FE2B-490B-94C3-93295A9D725E}" type="datetimeFigureOut">
               <a:rPr lang="ru-RU" smtClean="0"/>
-              <a:t>28.03.2024</a:t>
+              <a:t>31.03.2024</a:t>
             </a:fld>
             <a:endParaRPr lang="ru-RU" dirty="0"/>
           </a:p>
@@ -8384,7 +8093,7 @@
           <a:p>
             <a:fld id="{F2399CD5-FE2B-490B-94C3-93295A9D725E}" type="datetimeFigureOut">
               <a:rPr lang="ru-RU" smtClean="0"/>
-              <a:t>28.03.2024</a:t>
+              <a:t>31.03.2024</a:t>
             </a:fld>
             <a:endParaRPr lang="ru-RU" dirty="0"/>
           </a:p>
@@ -8641,7 +8350,7 @@
           <a:p>
             <a:fld id="{F2399CD5-FE2B-490B-94C3-93295A9D725E}" type="datetimeFigureOut">
               <a:rPr lang="ru-RU" smtClean="0"/>
-              <a:t>28.03.2024</a:t>
+              <a:t>31.03.2024</a:t>
             </a:fld>
             <a:endParaRPr lang="ru-RU" dirty="0"/>
           </a:p>
@@ -8884,7 +8593,7 @@
           <a:p>
             <a:fld id="{F2399CD5-FE2B-490B-94C3-93295A9D725E}" type="datetimeFigureOut">
               <a:rPr lang="ru-RU" smtClean="0"/>
-              <a:t>28.03.2024</a:t>
+              <a:t>31.03.2024</a:t>
             </a:fld>
             <a:endParaRPr lang="ru-RU" dirty="0"/>
           </a:p>
@@ -9530,9 +9239,47 @@
           </a:p>
         </p:txBody>
       </p:sp>
+      <p:sp>
+        <p:nvSpPr>
+          <p:cNvPr id="6" name="Текст 5"/>
+          <p:cNvSpPr>
+            <a:spLocks noGrp="1"/>
+          </p:cNvSpPr>
+          <p:nvPr>
+            <p:ph type="body" sz="quarter" idx="3"/>
+          </p:nvPr>
+        </p:nvSpPr>
+        <p:spPr>
+          <a:xfrm>
+            <a:off x="6400800" y="2488600"/>
+            <a:ext cx="5615354" cy="823912"/>
+          </a:xfrm>
+        </p:spPr>
+        <p:txBody>
+          <a:bodyPr>
+            <a:normAutofit/>
+          </a:bodyPr>
+          <a:lstStyle/>
+          <a:p>
+            <a:r>
+              <a:rPr lang="ru-RU" dirty="0" smtClean="0"/>
+              <a:t>Объявление ядра в </a:t>
+            </a:r>
+            <a:r>
+              <a:rPr lang="en-US" dirty="0" smtClean="0"/>
+              <a:t>.cl </a:t>
+            </a:r>
+            <a:r>
+              <a:rPr lang="ru-RU" dirty="0" smtClean="0"/>
+              <a:t>файле</a:t>
+            </a:r>
+            <a:endParaRPr lang="ru-RU" dirty="0"/>
+          </a:p>
+        </p:txBody>
+      </p:sp>
       <p:pic>
         <p:nvPicPr>
-          <p:cNvPr id="8" name="Объект 7"/>
+          <p:cNvPr id="5" name="Объект 4"/>
           <p:cNvPicPr>
             <a:picLocks noGrp="1" noChangeAspect="1"/>
           </p:cNvPicPr>
@@ -9548,55 +9295,17 @@
         </p:blipFill>
         <p:spPr>
           <a:xfrm>
-            <a:off x="771091" y="3438914"/>
-            <a:ext cx="5116999" cy="2271672"/>
+            <a:off x="914408" y="3561409"/>
+            <a:ext cx="5456515" cy="2030499"/>
           </a:xfrm>
           <a:prstGeom prst="rect">
             <a:avLst/>
           </a:prstGeom>
         </p:spPr>
       </p:pic>
-      <p:sp>
-        <p:nvSpPr>
-          <p:cNvPr id="6" name="Текст 5"/>
-          <p:cNvSpPr>
-            <a:spLocks noGrp="1"/>
-          </p:cNvSpPr>
-          <p:nvPr>
-            <p:ph type="body" sz="quarter" idx="3"/>
-          </p:nvPr>
-        </p:nvSpPr>
-        <p:spPr>
-          <a:xfrm>
-            <a:off x="6400800" y="2488600"/>
-            <a:ext cx="5615354" cy="823912"/>
-          </a:xfrm>
-        </p:spPr>
-        <p:txBody>
-          <a:bodyPr>
-            <a:normAutofit/>
-          </a:bodyPr>
-          <a:lstStyle/>
-          <a:p>
-            <a:r>
-              <a:rPr lang="ru-RU" dirty="0" smtClean="0"/>
-              <a:t>Объявление ядра в </a:t>
-            </a:r>
-            <a:r>
-              <a:rPr lang="en-US" dirty="0" smtClean="0"/>
-              <a:t>.cl </a:t>
-            </a:r>
-            <a:r>
-              <a:rPr lang="ru-RU" dirty="0" smtClean="0"/>
-              <a:t>файле</a:t>
-            </a:r>
-            <a:endParaRPr lang="ru-RU" dirty="0"/>
-          </a:p>
-        </p:txBody>
-      </p:sp>
       <p:pic>
         <p:nvPicPr>
-          <p:cNvPr id="9" name="Объект 8"/>
+          <p:cNvPr id="11" name="Объект 10"/>
           <p:cNvPicPr>
             <a:picLocks noGrp="1" noChangeAspect="1"/>
           </p:cNvPicPr>
@@ -9612,8 +9321,8 @@
         </p:blipFill>
         <p:spPr>
           <a:xfrm>
-            <a:off x="6978281" y="3475568"/>
-            <a:ext cx="4274182" cy="2235017"/>
+            <a:off x="6735332" y="3561409"/>
+            <a:ext cx="4913810" cy="2030499"/>
           </a:xfrm>
           <a:prstGeom prst="rect">
             <a:avLst/>
@@ -9880,30 +9589,6 @@
           </a:p>
         </p:txBody>
       </p:sp>
-      <p:pic>
-        <p:nvPicPr>
-          <p:cNvPr id="13" name="Рисунок 12"/>
-          <p:cNvPicPr>
-            <a:picLocks noChangeAspect="1"/>
-          </p:cNvPicPr>
-          <p:nvPr/>
-        </p:nvPicPr>
-        <p:blipFill>
-          <a:blip r:embed="rId3"/>
-          <a:stretch>
-            <a:fillRect/>
-          </a:stretch>
-        </p:blipFill>
-        <p:spPr>
-          <a:xfrm>
-            <a:off x="339968" y="1690202"/>
-            <a:ext cx="4863525" cy="2553552"/>
-          </a:xfrm>
-          <a:prstGeom prst="rect">
-            <a:avLst/>
-          </a:prstGeom>
-        </p:spPr>
-      </p:pic>
       <p:cxnSp>
         <p:nvCxnSpPr>
           <p:cNvPr id="20" name="Прямая соединительная линия 19"/>
@@ -9964,6 +9649,30 @@
           </a:fontRef>
         </p:style>
       </p:cxnSp>
+      <p:pic>
+        <p:nvPicPr>
+          <p:cNvPr id="5" name="Рисунок 4"/>
+          <p:cNvPicPr>
+            <a:picLocks noChangeAspect="1"/>
+          </p:cNvPicPr>
+          <p:nvPr/>
+        </p:nvPicPr>
+        <p:blipFill>
+          <a:blip r:embed="rId3"/>
+          <a:stretch>
+            <a:fillRect/>
+          </a:stretch>
+        </p:blipFill>
+        <p:spPr>
+          <a:xfrm>
+            <a:off x="339968" y="1628742"/>
+            <a:ext cx="4949013" cy="2045046"/>
+          </a:xfrm>
+          <a:prstGeom prst="rect">
+            <a:avLst/>
+          </a:prstGeom>
+        </p:spPr>
+      </p:pic>
     </p:spTree>
     <p:extLst>
       <p:ext uri="{BB962C8B-B14F-4D97-AF65-F5344CB8AC3E}">
@@ -10222,7 +9931,7 @@
       </p:pic>
       <p:pic>
         <p:nvPicPr>
-          <p:cNvPr id="13" name="Объект 12"/>
+          <p:cNvPr id="5" name="Объект 4"/>
           <p:cNvPicPr>
             <a:picLocks noGrp="1" noChangeAspect="1"/>
           </p:cNvPicPr>
@@ -10238,8 +9947,8 @@
         </p:blipFill>
         <p:spPr>
           <a:xfrm>
-            <a:off x="147001" y="1229914"/>
-            <a:ext cx="7131755" cy="2322177"/>
+            <a:off x="170397" y="1043087"/>
+            <a:ext cx="7197190" cy="2602790"/>
           </a:xfrm>
           <a:prstGeom prst="rect">
             <a:avLst/>
@@ -10276,9 +9985,97 @@
           <a:chExt cx="0" cy="0"/>
         </a:xfrm>
       </p:grpSpPr>
+      <p:sp>
+        <p:nvSpPr>
+          <p:cNvPr id="4" name="Текст 3"/>
+          <p:cNvSpPr>
+            <a:spLocks noGrp="1"/>
+          </p:cNvSpPr>
+          <p:nvPr>
+            <p:ph type="body" sz="half" idx="2"/>
+          </p:nvPr>
+        </p:nvSpPr>
+        <p:spPr>
+          <a:xfrm>
+            <a:off x="1354599" y="4741983"/>
+            <a:ext cx="10169185" cy="1471247"/>
+          </a:xfrm>
+        </p:spPr>
+        <p:txBody>
+          <a:bodyPr>
+            <a:normAutofit/>
+          </a:bodyPr>
+          <a:lstStyle/>
+          <a:p>
+            <a:r>
+              <a:rPr lang="en-US" sz="2000" dirty="0" smtClean="0"/>
+              <a:t>cl::Program::Sources – </a:t>
+            </a:r>
+            <a:r>
+              <a:rPr lang="ru-RU" sz="2000" dirty="0" smtClean="0"/>
+              <a:t>содержит весь текст ядра для исполнения</a:t>
+            </a:r>
+          </a:p>
+          <a:p>
+            <a:r>
+              <a:rPr lang="en-US" sz="2000" dirty="0" smtClean="0"/>
+              <a:t>cl::Program – </a:t>
+            </a:r>
+            <a:r>
+              <a:rPr lang="ru-RU" sz="2000" dirty="0" smtClean="0"/>
+              <a:t>интерфейс, для сборки ядра под конкретный </a:t>
+            </a:r>
+            <a:r>
+              <a:rPr lang="en-US" sz="2000" dirty="0" smtClean="0"/>
+              <a:t>API </a:t>
+            </a:r>
+            <a:r>
+              <a:rPr lang="ru-RU" sz="2000" dirty="0" smtClean="0"/>
+              <a:t>драйвера</a:t>
+            </a:r>
+            <a:endParaRPr lang="ru-RU" sz="2000" dirty="0"/>
+          </a:p>
+        </p:txBody>
+      </p:sp>
+      <p:sp>
+        <p:nvSpPr>
+          <p:cNvPr id="6" name="Заголовок 1"/>
+          <p:cNvSpPr>
+            <a:spLocks noGrp="1"/>
+          </p:cNvSpPr>
+          <p:nvPr>
+            <p:ph type="title"/>
+          </p:nvPr>
+        </p:nvSpPr>
+        <p:spPr>
+          <a:xfrm>
+            <a:off x="3494393" y="371354"/>
+            <a:ext cx="4114800" cy="636564"/>
+          </a:xfrm>
+        </p:spPr>
+        <p:txBody>
+          <a:bodyPr/>
+          <a:lstStyle/>
+          <a:p>
+            <a:r>
+              <a:rPr lang="ru-RU" dirty="0" smtClean="0"/>
+              <a:t>С++ </a:t>
+            </a:r>
+            <a:r>
+              <a:rPr lang="en-US" dirty="0" smtClean="0"/>
+              <a:t>for </a:t>
+            </a:r>
+            <a:r>
+              <a:rPr lang="en-US" dirty="0" err="1" smtClean="0"/>
+              <a:t>opencl</a:t>
+            </a:r>
+            <a:endParaRPr lang="ru-RU" dirty="0"/>
+          </a:p>
+        </p:txBody>
+      </p:sp>
       <p:pic>
         <p:nvPicPr>
-          <p:cNvPr id="5" name="Объект 4"/>
+          <p:cNvPr id="7" name="Объект 6"/>
           <p:cNvPicPr>
             <a:picLocks noGrp="1" noChangeAspect="1"/>
           </p:cNvPicPr>
@@ -10294,102 +10091,14 @@
         </p:blipFill>
         <p:spPr>
           <a:xfrm>
-            <a:off x="1354600" y="2068854"/>
-            <a:ext cx="9949612" cy="2362469"/>
+            <a:off x="1354599" y="2118840"/>
+            <a:ext cx="9148022" cy="2019405"/>
           </a:xfrm>
           <a:prstGeom prst="rect">
             <a:avLst/>
           </a:prstGeom>
         </p:spPr>
       </p:pic>
-      <p:sp>
-        <p:nvSpPr>
-          <p:cNvPr id="4" name="Текст 3"/>
-          <p:cNvSpPr>
-            <a:spLocks noGrp="1"/>
-          </p:cNvSpPr>
-          <p:nvPr>
-            <p:ph type="body" sz="half" idx="2"/>
-          </p:nvPr>
-        </p:nvSpPr>
-        <p:spPr>
-          <a:xfrm>
-            <a:off x="1354599" y="4741983"/>
-            <a:ext cx="10169185" cy="1471247"/>
-          </a:xfrm>
-        </p:spPr>
-        <p:txBody>
-          <a:bodyPr>
-            <a:normAutofit/>
-          </a:bodyPr>
-          <a:lstStyle/>
-          <a:p>
-            <a:r>
-              <a:rPr lang="en-US" sz="2000" dirty="0" smtClean="0"/>
-              <a:t>cl::Program::Sources – </a:t>
-            </a:r>
-            <a:r>
-              <a:rPr lang="ru-RU" sz="2000" dirty="0" smtClean="0"/>
-              <a:t>содержит весь текст ядра для исполнения</a:t>
-            </a:r>
-          </a:p>
-          <a:p>
-            <a:r>
-              <a:rPr lang="en-US" sz="2000" dirty="0" smtClean="0"/>
-              <a:t>cl::Program – </a:t>
-            </a:r>
-            <a:r>
-              <a:rPr lang="ru-RU" sz="2000" dirty="0" smtClean="0"/>
-              <a:t>интерфейс, для сборки ядра под конкретный </a:t>
-            </a:r>
-            <a:r>
-              <a:rPr lang="en-US" sz="2000" dirty="0" smtClean="0"/>
-              <a:t>API </a:t>
-            </a:r>
-            <a:r>
-              <a:rPr lang="ru-RU" sz="2000" dirty="0" smtClean="0"/>
-              <a:t>драйвера</a:t>
-            </a:r>
-            <a:endParaRPr lang="ru-RU" sz="2000" dirty="0"/>
-          </a:p>
-        </p:txBody>
-      </p:sp>
-      <p:sp>
-        <p:nvSpPr>
-          <p:cNvPr id="6" name="Заголовок 1"/>
-          <p:cNvSpPr>
-            <a:spLocks noGrp="1"/>
-          </p:cNvSpPr>
-          <p:nvPr>
-            <p:ph type="title"/>
-          </p:nvPr>
-        </p:nvSpPr>
-        <p:spPr>
-          <a:xfrm>
-            <a:off x="3494393" y="371354"/>
-            <a:ext cx="4114800" cy="636564"/>
-          </a:xfrm>
-        </p:spPr>
-        <p:txBody>
-          <a:bodyPr/>
-          <a:lstStyle/>
-          <a:p>
-            <a:r>
-              <a:rPr lang="ru-RU" dirty="0" smtClean="0"/>
-              <a:t>С++ </a:t>
-            </a:r>
-            <a:r>
-              <a:rPr lang="en-US" dirty="0" smtClean="0"/>
-              <a:t>for </a:t>
-            </a:r>
-            <a:r>
-              <a:rPr lang="en-US" dirty="0" err="1" smtClean="0"/>
-              <a:t>opencl</a:t>
-            </a:r>
-            <a:endParaRPr lang="ru-RU" dirty="0"/>
-          </a:p>
-        </p:txBody>
-      </p:sp>
     </p:spTree>
     <p:extLst>
       <p:ext uri="{BB962C8B-B14F-4D97-AF65-F5344CB8AC3E}">
@@ -10420,15 +10129,119 @@
           <a:chExt cx="0" cy="0"/>
         </a:xfrm>
       </p:grpSpPr>
+      <p:sp>
+        <p:nvSpPr>
+          <p:cNvPr id="4" name="Текст 3"/>
+          <p:cNvSpPr>
+            <a:spLocks noGrp="1"/>
+          </p:cNvSpPr>
+          <p:nvPr>
+            <p:ph type="body" sz="half" idx="2"/>
+          </p:nvPr>
+        </p:nvSpPr>
+        <p:spPr>
+          <a:xfrm>
+            <a:off x="240323" y="4865077"/>
+            <a:ext cx="11813753" cy="1664677"/>
+          </a:xfrm>
+        </p:spPr>
+        <p:txBody>
+          <a:bodyPr>
+            <a:normAutofit/>
+          </a:bodyPr>
+          <a:lstStyle/>
+          <a:p>
+            <a:r>
+              <a:rPr lang="en-US" sz="2000" dirty="0" smtClean="0"/>
+              <a:t>cl::</a:t>
+            </a:r>
+            <a:r>
+              <a:rPr lang="en-US" sz="2000" dirty="0" err="1" smtClean="0"/>
+              <a:t>CommandQueue</a:t>
+            </a:r>
+            <a:r>
+              <a:rPr lang="en-US" sz="2000" dirty="0" smtClean="0"/>
+              <a:t> – </a:t>
+            </a:r>
+            <a:r>
+              <a:rPr lang="ru-RU" sz="2000" dirty="0" smtClean="0"/>
+              <a:t>класс, который загружает последовательность команд и данные для исполнения этих команд на конечные устройства</a:t>
+            </a:r>
+          </a:p>
+          <a:p>
+            <a:r>
+              <a:rPr lang="en-US" sz="2000" dirty="0" smtClean="0"/>
+              <a:t>cl::Buffer – </a:t>
+            </a:r>
+            <a:r>
+              <a:rPr lang="ru-RU" sz="2000" dirty="0" smtClean="0"/>
+              <a:t>класс, для создания индивидуального буфера данных каждому </a:t>
+            </a:r>
+            <a:r>
+              <a:rPr lang="en-US" sz="2000" dirty="0" smtClean="0"/>
+              <a:t>work-item`</a:t>
+            </a:r>
+            <a:r>
+              <a:rPr lang="ru-RU" sz="2000" dirty="0" smtClean="0"/>
+              <a:t>у</a:t>
+            </a:r>
+          </a:p>
+          <a:p>
+            <a:r>
+              <a:rPr lang="en-US" sz="2000" dirty="0" smtClean="0"/>
+              <a:t>cl::Kernel – </a:t>
+            </a:r>
+            <a:r>
+              <a:rPr lang="ru-RU" sz="2000" dirty="0" smtClean="0"/>
+              <a:t>класс нашего ядра</a:t>
+            </a:r>
+            <a:endParaRPr lang="ru-RU" sz="2000" dirty="0"/>
+          </a:p>
+        </p:txBody>
+      </p:sp>
+      <p:sp>
+        <p:nvSpPr>
+          <p:cNvPr id="6" name="Заголовок 1"/>
+          <p:cNvSpPr>
+            <a:spLocks noGrp="1"/>
+          </p:cNvSpPr>
+          <p:nvPr>
+            <p:ph type="title"/>
+          </p:nvPr>
+        </p:nvSpPr>
+        <p:spPr>
+          <a:xfrm>
+            <a:off x="416169" y="406523"/>
+            <a:ext cx="4114800" cy="636564"/>
+          </a:xfrm>
+        </p:spPr>
+        <p:txBody>
+          <a:bodyPr/>
+          <a:lstStyle/>
+          <a:p>
+            <a:r>
+              <a:rPr lang="ru-RU" dirty="0" smtClean="0"/>
+              <a:t>С++ </a:t>
+            </a:r>
+            <a:r>
+              <a:rPr lang="en-US" dirty="0" smtClean="0"/>
+              <a:t>for </a:t>
+            </a:r>
+            <a:r>
+              <a:rPr lang="en-US" dirty="0" err="1" smtClean="0"/>
+              <a:t>opencl</a:t>
+            </a:r>
+            <a:endParaRPr lang="ru-RU" dirty="0"/>
+          </a:p>
+        </p:txBody>
+      </p:sp>
       <p:pic>
         <p:nvPicPr>
-          <p:cNvPr id="5" name="Объект 4"/>
+          <p:cNvPr id="2" name="Рисунок 1"/>
           <p:cNvPicPr>
-            <a:picLocks noGrp="1" noChangeAspect="1"/>
+            <a:picLocks noChangeAspect="1"/>
           </p:cNvPicPr>
-          <p:nvPr>
-            <p:ph idx="1"/>
-          </p:nvPr>
+          <p:nvPr/>
         </p:nvPicPr>
         <p:blipFill>
           <a:blip r:embed="rId3"/>
@@ -10438,127 +10251,23 @@
         </p:blipFill>
         <p:spPr>
           <a:xfrm>
-            <a:off x="4530967" y="1219199"/>
-            <a:ext cx="7523109" cy="3247293"/>
+            <a:off x="4530967" y="230411"/>
+            <a:ext cx="7523109" cy="988788"/>
           </a:xfrm>
           <a:prstGeom prst="rect">
             <a:avLst/>
           </a:prstGeom>
         </p:spPr>
       </p:pic>
-      <p:sp>
-        <p:nvSpPr>
-          <p:cNvPr id="4" name="Текст 3"/>
-          <p:cNvSpPr>
-            <a:spLocks noGrp="1"/>
-          </p:cNvSpPr>
-          <p:nvPr>
-            <p:ph type="body" sz="half" idx="2"/>
-          </p:nvPr>
-        </p:nvSpPr>
-        <p:spPr>
-          <a:xfrm>
-            <a:off x="240323" y="4865077"/>
-            <a:ext cx="11813753" cy="1664677"/>
-          </a:xfrm>
-        </p:spPr>
-        <p:txBody>
-          <a:bodyPr>
-            <a:normAutofit/>
-          </a:bodyPr>
-          <a:lstStyle/>
-          <a:p>
-            <a:r>
-              <a:rPr lang="en-US" sz="2000" dirty="0" smtClean="0"/>
-              <a:t>cl::</a:t>
-            </a:r>
-            <a:r>
-              <a:rPr lang="en-US" sz="2000" dirty="0" err="1" smtClean="0"/>
-              <a:t>CommandQueue</a:t>
-            </a:r>
-            <a:r>
-              <a:rPr lang="en-US" sz="2000" dirty="0" smtClean="0"/>
-              <a:t> – </a:t>
-            </a:r>
-            <a:r>
-              <a:rPr lang="ru-RU" sz="2000" dirty="0" smtClean="0"/>
-              <a:t>класс, который загружает последовательность команд и данные для исполнения этих команд на конечные устройства</a:t>
-            </a:r>
-          </a:p>
-          <a:p>
-            <a:r>
-              <a:rPr lang="en-US" sz="2000" dirty="0" smtClean="0"/>
-              <a:t>cl::Buffer – </a:t>
-            </a:r>
-            <a:r>
-              <a:rPr lang="ru-RU" sz="2000" dirty="0" smtClean="0"/>
-              <a:t>класс, для создания индивидуального буфера данных каждому </a:t>
-            </a:r>
-            <a:r>
-              <a:rPr lang="en-US" sz="2000" dirty="0" smtClean="0"/>
-              <a:t>work-item`</a:t>
-            </a:r>
-            <a:r>
-              <a:rPr lang="ru-RU" sz="2000" dirty="0" smtClean="0"/>
-              <a:t>у</a:t>
-            </a:r>
-          </a:p>
-          <a:p>
-            <a:r>
-              <a:rPr lang="en-US" sz="2000" dirty="0" smtClean="0"/>
-              <a:t>cl::Kernel – </a:t>
-            </a:r>
-            <a:r>
-              <a:rPr lang="ru-RU" sz="2000" dirty="0" smtClean="0"/>
-              <a:t>класс нашего ядра</a:t>
-            </a:r>
-            <a:endParaRPr lang="ru-RU" sz="2000" dirty="0"/>
-          </a:p>
-        </p:txBody>
-      </p:sp>
-      <p:sp>
-        <p:nvSpPr>
-          <p:cNvPr id="6" name="Заголовок 1"/>
-          <p:cNvSpPr>
-            <a:spLocks noGrp="1"/>
-          </p:cNvSpPr>
-          <p:nvPr>
-            <p:ph type="title"/>
-          </p:nvPr>
-        </p:nvSpPr>
-        <p:spPr>
-          <a:xfrm>
-            <a:off x="416169" y="406523"/>
-            <a:ext cx="4114800" cy="636564"/>
-          </a:xfrm>
-        </p:spPr>
-        <p:txBody>
-          <a:bodyPr/>
-          <a:lstStyle/>
-          <a:p>
-            <a:r>
-              <a:rPr lang="ru-RU" dirty="0" smtClean="0"/>
-              <a:t>С++ </a:t>
-            </a:r>
-            <a:r>
-              <a:rPr lang="en-US" dirty="0" smtClean="0"/>
-              <a:t>for </a:t>
-            </a:r>
-            <a:r>
-              <a:rPr lang="en-US" dirty="0" err="1" smtClean="0"/>
-              <a:t>opencl</a:t>
-            </a:r>
-            <a:endParaRPr lang="ru-RU" dirty="0"/>
-          </a:p>
-        </p:txBody>
-      </p:sp>
       <p:pic>
         <p:nvPicPr>
-          <p:cNvPr id="18" name="Рисунок 17"/>
+          <p:cNvPr id="7" name="Объект 6"/>
           <p:cNvPicPr>
-            <a:picLocks noChangeAspect="1"/>
+            <a:picLocks noGrp="1" noChangeAspect="1"/>
           </p:cNvPicPr>
-          <p:nvPr/>
+          <p:nvPr>
+            <p:ph idx="1"/>
+          </p:nvPr>
         </p:nvPicPr>
         <p:blipFill>
           <a:blip r:embed="rId4"/>
@@ -10568,8 +10277,32 @@
         </p:blipFill>
         <p:spPr>
           <a:xfrm>
-            <a:off x="4530968" y="509612"/>
-            <a:ext cx="7526697" cy="709587"/>
+            <a:off x="4530967" y="1219198"/>
+            <a:ext cx="7525792" cy="2919047"/>
+          </a:xfrm>
+          <a:prstGeom prst="rect">
+            <a:avLst/>
+          </a:prstGeom>
+        </p:spPr>
+      </p:pic>
+      <p:pic>
+        <p:nvPicPr>
+          <p:cNvPr id="8" name="Рисунок 7"/>
+          <p:cNvPicPr>
+            <a:picLocks noChangeAspect="1"/>
+          </p:cNvPicPr>
+          <p:nvPr/>
+        </p:nvPicPr>
+        <p:blipFill>
+          <a:blip r:embed="rId5"/>
+          <a:stretch>
+            <a:fillRect/>
+          </a:stretch>
+        </p:blipFill>
+        <p:spPr>
+          <a:xfrm>
+            <a:off x="4530967" y="4138244"/>
+            <a:ext cx="7523109" cy="457201"/>
           </a:xfrm>
           <a:prstGeom prst="rect">
             <a:avLst/>
@@ -10717,6 +10450,36 @@
               <a:t>Время исчислялось в микросекундах</a:t>
             </a:r>
             <a:endParaRPr lang="ru-RU" sz="1700" dirty="0"/>
+          </a:p>
+        </p:txBody>
+      </p:sp>
+      <p:sp>
+        <p:nvSpPr>
+          <p:cNvPr id="4" name="TextBox 3"/>
+          <p:cNvSpPr txBox="1"/>
+          <p:nvPr/>
+        </p:nvSpPr>
+        <p:spPr>
+          <a:xfrm>
+            <a:off x="7880105" y="4996155"/>
+            <a:ext cx="4218110" cy="923330"/>
+          </a:xfrm>
+          <a:prstGeom prst="rect">
+            <a:avLst/>
+          </a:prstGeom>
+          <a:noFill/>
+        </p:spPr>
+        <p:txBody>
+          <a:bodyPr wrap="square" rtlCol="0">
+            <a:spAutoFit/>
+          </a:bodyPr>
+          <a:lstStyle/>
+          <a:p>
+            <a:r>
+              <a:rPr lang="ru-RU" i="1" u="sng" dirty="0" smtClean="0"/>
+              <a:t>*Сравнивалось только время выполнения операции сложения векторов без копирования данных</a:t>
+            </a:r>
+            <a:endParaRPr lang="ru-RU" i="1" u="sng" dirty="0"/>
           </a:p>
         </p:txBody>
       </p:sp>
